--- a/parkinggateway.pptx
+++ b/parkinggateway.pptx
@@ -5,7 +5,7 @@
     <p:sldMasterId id="2147483648" r:id="rId1"/>
   </p:sldMasterIdLst>
   <p:notesMasterIdLst>
-    <p:notesMasterId r:id="rId12"/>
+    <p:notesMasterId r:id="rId14"/>
   </p:notesMasterIdLst>
   <p:sldIdLst>
     <p:sldId id="256" r:id="rId2"/>
@@ -18,6 +18,8 @@
     <p:sldId id="266" r:id="rId9"/>
     <p:sldId id="267" r:id="rId10"/>
     <p:sldId id="268" r:id="rId11"/>
+    <p:sldId id="269" r:id="rId12"/>
+    <p:sldId id="270" r:id="rId13"/>
   </p:sldIdLst>
   <p:sldSz cx="12192000" cy="6858000"/>
   <p:notesSz cx="6858000" cy="9144000"/>
@@ -131,9 +133,14 @@
             <p14:sldId id="266"/>
             <p14:sldId id="267"/>
             <p14:sldId id="268"/>
+            <p14:sldId id="269"/>
+            <p14:sldId id="270"/>
           </p14:sldIdLst>
         </p14:section>
       </p14:sectionLst>
+    </p:ext>
+    <p:ext uri="{EFAFB233-063F-42B5-8137-9DF3F51BA10A}">
+      <p15:sldGuideLst xmlns:p15="http://schemas.microsoft.com/office/powerpoint/2012/main"/>
     </p:ext>
   </p:extLst>
 </p:presentation>
@@ -225,7 +232,7 @@
           <a:p>
             <a:fld id="{08582D0F-ADC7-4007-B98D-9059C3EFDAE0}" type="datetimeFigureOut">
               <a:rPr lang="hu-HU" smtClean="0"/>
-              <a:t>2018. 01. 02.</a:t>
+              <a:t>2018. 01. 03.</a:t>
             </a:fld>
             <a:endParaRPr lang="hu-HU"/>
           </a:p>
@@ -706,7 +713,7 @@
             <a:fld id="{B61BEF0D-F0BB-DE4B-95CE-6DB70DBA9567}" type="datetimeFigureOut">
               <a:rPr lang="en-US" dirty="0"/>
               <a:pPr/>
-              <a:t>1/2/2018</a:t>
+              <a:t>1/3/2018</a:t>
             </a:fld>
             <a:endParaRPr lang="en-US" dirty="0"/>
           </a:p>
@@ -994,7 +1001,7 @@
             <a:fld id="{B61BEF0D-F0BB-DE4B-95CE-6DB70DBA9567}" type="datetimeFigureOut">
               <a:rPr lang="en-US" dirty="0"/>
               <a:pPr/>
-              <a:t>1/2/2018</a:t>
+              <a:t>1/3/2018</a:t>
             </a:fld>
             <a:endParaRPr lang="en-US" dirty="0"/>
           </a:p>
@@ -1250,7 +1257,7 @@
             <a:fld id="{B61BEF0D-F0BB-DE4B-95CE-6DB70DBA9567}" type="datetimeFigureOut">
               <a:rPr lang="en-US" dirty="0"/>
               <a:pPr/>
-              <a:t>1/2/2018</a:t>
+              <a:t>1/3/2018</a:t>
             </a:fld>
             <a:endParaRPr lang="en-US" dirty="0"/>
           </a:p>
@@ -1716,7 +1723,7 @@
             <a:fld id="{B61BEF0D-F0BB-DE4B-95CE-6DB70DBA9567}" type="datetimeFigureOut">
               <a:rPr lang="en-US" dirty="0"/>
               <a:pPr/>
-              <a:t>1/2/2018</a:t>
+              <a:t>1/3/2018</a:t>
             </a:fld>
             <a:endParaRPr lang="en-US" dirty="0"/>
           </a:p>
@@ -1893,7 +1900,7 @@
             <a:fld id="{B61BEF0D-F0BB-DE4B-95CE-6DB70DBA9567}" type="datetimeFigureOut">
               <a:rPr lang="en-US" dirty="0"/>
               <a:pPr/>
-              <a:t>1/2/2018</a:t>
+              <a:t>1/3/2018</a:t>
             </a:fld>
             <a:endParaRPr lang="en-US" dirty="0"/>
           </a:p>
@@ -2466,7 +2473,7 @@
             <a:fld id="{B61BEF0D-F0BB-DE4B-95CE-6DB70DBA9567}" type="datetimeFigureOut">
               <a:rPr lang="en-US" dirty="0"/>
               <a:pPr/>
-              <a:t>1/2/2018</a:t>
+              <a:t>1/3/2018</a:t>
             </a:fld>
             <a:endParaRPr lang="en-US" dirty="0"/>
           </a:p>
@@ -2795,7 +2802,7 @@
             <a:fld id="{B61BEF0D-F0BB-DE4B-95CE-6DB70DBA9567}" type="datetimeFigureOut">
               <a:rPr lang="en-US" dirty="0"/>
               <a:pPr/>
-              <a:t>1/2/2018</a:t>
+              <a:t>1/3/2018</a:t>
             </a:fld>
             <a:endParaRPr lang="en-US" dirty="0"/>
           </a:p>
@@ -2967,7 +2974,7 @@
             <a:fld id="{B61BEF0D-F0BB-DE4B-95CE-6DB70DBA9567}" type="datetimeFigureOut">
               <a:rPr lang="en-US" dirty="0"/>
               <a:pPr/>
-              <a:t>1/2/2018</a:t>
+              <a:t>1/3/2018</a:t>
             </a:fld>
             <a:endParaRPr lang="en-US" dirty="0"/>
           </a:p>
@@ -3144,7 +3151,7 @@
             <a:fld id="{B61BEF0D-F0BB-DE4B-95CE-6DB70DBA9567}" type="datetimeFigureOut">
               <a:rPr lang="en-US" dirty="0"/>
               <a:pPr/>
-              <a:t>1/2/2018</a:t>
+              <a:t>1/3/2018</a:t>
             </a:fld>
             <a:endParaRPr lang="en-US" dirty="0"/>
           </a:p>
@@ -3311,7 +3318,7 @@
             <a:fld id="{B61BEF0D-F0BB-DE4B-95CE-6DB70DBA9567}" type="datetimeFigureOut">
               <a:rPr lang="en-US" dirty="0"/>
               <a:pPr/>
-              <a:t>1/2/2018</a:t>
+              <a:t>1/3/2018</a:t>
             </a:fld>
             <a:endParaRPr lang="en-US" dirty="0"/>
           </a:p>
@@ -3565,7 +3572,7 @@
             <a:fld id="{B61BEF0D-F0BB-DE4B-95CE-6DB70DBA9567}" type="datetimeFigureOut">
               <a:rPr lang="en-US" dirty="0"/>
               <a:pPr/>
-              <a:t>1/2/2018</a:t>
+              <a:t>1/3/2018</a:t>
             </a:fld>
             <a:endParaRPr lang="en-US" dirty="0"/>
           </a:p>
@@ -3854,7 +3861,7 @@
             <a:fld id="{B61BEF0D-F0BB-DE4B-95CE-6DB70DBA9567}" type="datetimeFigureOut">
               <a:rPr lang="en-US" dirty="0"/>
               <a:pPr/>
-              <a:t>1/2/2018</a:t>
+              <a:t>1/3/2018</a:t>
             </a:fld>
             <a:endParaRPr lang="en-US" dirty="0"/>
           </a:p>
@@ -4281,7 +4288,7 @@
             <a:fld id="{B61BEF0D-F0BB-DE4B-95CE-6DB70DBA9567}" type="datetimeFigureOut">
               <a:rPr lang="en-US" dirty="0"/>
               <a:pPr/>
-              <a:t>1/2/2018</a:t>
+              <a:t>1/3/2018</a:t>
             </a:fld>
             <a:endParaRPr lang="en-US" dirty="0"/>
           </a:p>
@@ -4396,7 +4403,7 @@
             <a:fld id="{B61BEF0D-F0BB-DE4B-95CE-6DB70DBA9567}" type="datetimeFigureOut">
               <a:rPr lang="en-US" dirty="0"/>
               <a:pPr/>
-              <a:t>1/2/2018</a:t>
+              <a:t>1/3/2018</a:t>
             </a:fld>
             <a:endParaRPr lang="en-US" dirty="0"/>
           </a:p>
@@ -4488,7 +4495,7 @@
             <a:fld id="{B61BEF0D-F0BB-DE4B-95CE-6DB70DBA9567}" type="datetimeFigureOut">
               <a:rPr lang="en-US" dirty="0"/>
               <a:pPr/>
-              <a:t>1/2/2018</a:t>
+              <a:t>1/3/2018</a:t>
             </a:fld>
             <a:endParaRPr lang="en-US" dirty="0"/>
           </a:p>
@@ -4768,7 +4775,7 @@
             <a:fld id="{B61BEF0D-F0BB-DE4B-95CE-6DB70DBA9567}" type="datetimeFigureOut">
               <a:rPr lang="en-US" dirty="0"/>
               <a:pPr/>
-              <a:t>1/2/2018</a:t>
+              <a:t>1/3/2018</a:t>
             </a:fld>
             <a:endParaRPr lang="en-US" dirty="0"/>
           </a:p>
@@ -5056,7 +5063,7 @@
             <a:fld id="{B61BEF0D-F0BB-DE4B-95CE-6DB70DBA9567}" type="datetimeFigureOut">
               <a:rPr lang="en-US" dirty="0"/>
               <a:pPr/>
-              <a:t>1/2/2018</a:t>
+              <a:t>1/3/2018</a:t>
             </a:fld>
             <a:endParaRPr lang="en-US" dirty="0"/>
           </a:p>
@@ -5284,7 +5291,7 @@
             <a:fld id="{B61BEF0D-F0BB-DE4B-95CE-6DB70DBA9567}" type="datetimeFigureOut">
               <a:rPr lang="en-US" dirty="0"/>
               <a:pPr/>
-              <a:t>1/2/2018</a:t>
+              <a:t>1/3/2018</a:t>
             </a:fld>
             <a:endParaRPr lang="en-US" dirty="0"/>
           </a:p>
@@ -6374,12 +6381,12 @@
         <p:spPr>
           <a:xfrm>
             <a:off x="1141413" y="1600199"/>
-            <a:ext cx="9905998" cy="4191001"/>
+            <a:ext cx="9905998" cy="4949891"/>
           </a:xfrm>
         </p:spPr>
         <p:txBody>
           <a:bodyPr>
-            <a:normAutofit lnSpcReduction="10000"/>
+            <a:normAutofit fontScale="85000" lnSpcReduction="20000"/>
           </a:bodyPr>
           <a:lstStyle/>
           <a:p>
@@ -6537,6 +6544,145 @@
             <a:r>
               <a:rPr lang="hu-HU" dirty="0"/>
               <a:t> „kifizetése” a kártyaolvasónál történik.</a:t>
+            </a:r>
+          </a:p>
+          <a:p>
+            <a:pPr marL="0" indent="0">
+              <a:buNone/>
+            </a:pPr>
+            <a:r>
+              <a:rPr lang="en-US" b="1" dirty="0"/>
+              <a:t>E&lt;&gt; CAR(0).PUSHPRINT and </a:t>
+            </a:r>
+            <a:r>
+              <a:rPr lang="en-US" b="1" dirty="0" err="1"/>
+              <a:t>lockIn</a:t>
+            </a:r>
+            <a:r>
+              <a:rPr lang="en-US" b="1" dirty="0"/>
+              <a:t> == false</a:t>
+            </a:r>
+            <a:r>
+              <a:rPr lang="hu-HU" b="1" dirty="0"/>
+              <a:t> </a:t>
+            </a:r>
+            <a:r>
+              <a:rPr lang="hu-HU" dirty="0"/>
+              <a:t>– a 0. számú autó kerül-e </a:t>
+            </a:r>
+            <a:r>
+              <a:rPr lang="hu-HU" dirty="0" err="1"/>
+              <a:t>pusprint</a:t>
+            </a:r>
+            <a:r>
+              <a:rPr lang="hu-HU" dirty="0"/>
+              <a:t> állapotba </a:t>
+            </a:r>
+            <a:r>
+              <a:rPr lang="hu-HU" dirty="0" err="1"/>
+              <a:t>lockolás</a:t>
+            </a:r>
+            <a:r>
+              <a:rPr lang="hu-HU" dirty="0"/>
+              <a:t> nélkül</a:t>
+            </a:r>
+          </a:p>
+          <a:p>
+            <a:pPr marL="0" indent="0">
+              <a:buNone/>
+            </a:pPr>
+            <a:r>
+              <a:rPr lang="en-US" b="1" dirty="0"/>
+              <a:t>E&lt;&gt; CAR(0).CARDIN and </a:t>
+            </a:r>
+            <a:r>
+              <a:rPr lang="en-US" b="1" dirty="0" err="1"/>
+              <a:t>lockOut</a:t>
+            </a:r>
+            <a:r>
+              <a:rPr lang="en-US" b="1" dirty="0"/>
+              <a:t> == false</a:t>
+            </a:r>
+            <a:r>
+              <a:rPr lang="hu-HU" b="1" dirty="0"/>
+              <a:t> </a:t>
+            </a:r>
+            <a:r>
+              <a:rPr lang="hu-HU" dirty="0"/>
+              <a:t>- a 0. számú autó kerül-e CARDIN állapotba </a:t>
+            </a:r>
+            <a:r>
+              <a:rPr lang="hu-HU" dirty="0" err="1"/>
+              <a:t>lockolás</a:t>
+            </a:r>
+            <a:r>
+              <a:rPr lang="hu-HU" dirty="0"/>
+              <a:t> nélkül</a:t>
+            </a:r>
+          </a:p>
+          <a:p>
+            <a:pPr marL="0" indent="0">
+              <a:buNone/>
+            </a:pPr>
+            <a:r>
+              <a:rPr lang="en-US" b="1" dirty="0"/>
+              <a:t>A[] </a:t>
+            </a:r>
+            <a:r>
+              <a:rPr lang="en-US" b="1" dirty="0" err="1"/>
+              <a:t>forall</a:t>
+            </a:r>
+            <a:r>
+              <a:rPr lang="en-US" b="1" dirty="0"/>
+              <a:t>(x :</a:t>
+            </a:r>
+            <a:r>
+              <a:rPr lang="en-US" b="1" dirty="0" err="1"/>
+              <a:t>carType</a:t>
+            </a:r>
+            <a:r>
+              <a:rPr lang="en-US" b="1" dirty="0"/>
+              <a:t>)  </a:t>
+            </a:r>
+            <a:r>
+              <a:rPr lang="en-US" b="1" dirty="0" err="1"/>
+              <a:t>forall</a:t>
+            </a:r>
+            <a:r>
+              <a:rPr lang="en-US" b="1" dirty="0"/>
+              <a:t>(y :</a:t>
+            </a:r>
+            <a:r>
+              <a:rPr lang="en-US" b="1" dirty="0" err="1"/>
+              <a:t>carType</a:t>
+            </a:r>
+            <a:r>
+              <a:rPr lang="en-US" b="1" dirty="0"/>
+              <a:t>) CAR(x).BAROPENED and CAR(y).BAROPENED and CAR(x).</a:t>
+            </a:r>
+            <a:r>
+              <a:rPr lang="en-US" b="1" dirty="0" err="1"/>
+              <a:t>carBar</a:t>
+            </a:r>
+            <a:r>
+              <a:rPr lang="en-US" b="1" dirty="0"/>
+              <a:t> == CAR(y).</a:t>
+            </a:r>
+            <a:r>
+              <a:rPr lang="en-US" b="1" dirty="0" err="1"/>
+              <a:t>carBar</a:t>
+            </a:r>
+            <a:r>
+              <a:rPr lang="en-US" b="1" dirty="0"/>
+              <a:t> imply x == y</a:t>
+            </a:r>
+            <a:r>
+              <a:rPr lang="hu-HU" b="1" dirty="0"/>
+              <a:t> </a:t>
+            </a:r>
+            <a:r>
+              <a:rPr lang="hu-HU" dirty="0"/>
+              <a:t>– Azt ellenőrzi, hogy létezik e olyan eset amikor két autó egyszerre akar átmenni ugyanazon sorompó alatt.</a:t>
             </a:r>
           </a:p>
         </p:txBody>
@@ -6545,6 +6691,400 @@
     <p:extLst>
       <p:ext uri="{BB962C8B-B14F-4D97-AF65-F5344CB8AC3E}">
         <p14:creationId xmlns:p14="http://schemas.microsoft.com/office/powerpoint/2010/main" val="2849622886"/>
+      </p:ext>
+    </p:extLst>
+  </p:cSld>
+  <p:clrMapOvr>
+    <a:masterClrMapping/>
+  </p:clrMapOvr>
+</p:sld>
+</file>
+
+<file path=ppt/slides/slide11.xml><?xml version="1.0" encoding="utf-8"?>
+<p:sld xmlns:a="http://schemas.openxmlformats.org/drawingml/2006/main" xmlns:r="http://schemas.openxmlformats.org/officeDocument/2006/relationships" xmlns:p="http://schemas.openxmlformats.org/presentationml/2006/main">
+  <p:cSld>
+    <p:bg>
+      <p:bgPr>
+        <a:blipFill rotWithShape="1">
+          <a:blip r:embed="rId2">
+            <a:duotone>
+              <a:schemeClr val="bg2">
+                <a:shade val="28000"/>
+                <a:satMod val="94000"/>
+                <a:lumMod val="20000"/>
+              </a:schemeClr>
+              <a:schemeClr val="bg2">
+                <a:tint val="94000"/>
+                <a:shade val="84000"/>
+                <a:satMod val="148000"/>
+                <a:lumMod val="114000"/>
+              </a:schemeClr>
+            </a:duotone>
+            <a:extLst/>
+          </a:blip>
+          <a:stretch/>
+        </a:blipFill>
+        <a:effectLst/>
+      </p:bgPr>
+    </p:bg>
+    <p:spTree>
+      <p:nvGrpSpPr>
+        <p:cNvPr id="1" name=""/>
+        <p:cNvGrpSpPr/>
+        <p:nvPr/>
+      </p:nvGrpSpPr>
+      <p:grpSpPr>
+        <a:xfrm>
+          <a:off x="0" y="0"/>
+          <a:ext cx="0" cy="0"/>
+          <a:chOff x="0" y="0"/>
+          <a:chExt cx="0" cy="0"/>
+        </a:xfrm>
+      </p:grpSpPr>
+      <p:pic>
+        <p:nvPicPr>
+          <p:cNvPr id="8" name="Kép 7">
+            <a:extLst>
+              <a:ext uri="{FF2B5EF4-FFF2-40B4-BE49-F238E27FC236}">
+                <a16:creationId xmlns:a16="http://schemas.microsoft.com/office/drawing/2014/main" id="{1A589D92-6C43-4ABE-9A82-E1EAC2C72813}"/>
+              </a:ext>
+            </a:extLst>
+          </p:cNvPr>
+          <p:cNvPicPr>
+            <a:picLocks noChangeAspect="1"/>
+          </p:cNvPicPr>
+          <p:nvPr/>
+        </p:nvPicPr>
+        <p:blipFill rotWithShape="1">
+          <a:blip r:embed="rId3">
+            <a:duotone>
+              <a:prstClr val="black"/>
+              <a:schemeClr val="bg1">
+                <a:tint val="45000"/>
+                <a:satMod val="400000"/>
+              </a:schemeClr>
+            </a:duotone>
+            <a:alphaModFix amt="15000"/>
+            <a:extLst/>
+          </a:blip>
+          <a:srcRect l="4266" r="3290"/>
+          <a:stretch/>
+        </p:blipFill>
+        <p:spPr>
+          <a:xfrm>
+            <a:off x="20" y="10"/>
+            <a:ext cx="12191980" cy="6857990"/>
+          </a:xfrm>
+          <a:prstGeom prst="rect">
+            <a:avLst/>
+          </a:prstGeom>
+        </p:spPr>
+      </p:pic>
+      <p:sp>
+        <p:nvSpPr>
+          <p:cNvPr id="2" name="Cím 1">
+            <a:extLst>
+              <a:ext uri="{FF2B5EF4-FFF2-40B4-BE49-F238E27FC236}">
+                <a16:creationId xmlns:a16="http://schemas.microsoft.com/office/drawing/2014/main" id="{C9A2A741-BB68-43B7-B9E6-AA219453D61F}"/>
+              </a:ext>
+            </a:extLst>
+          </p:cNvPr>
+          <p:cNvSpPr>
+            <a:spLocks noGrp="1"/>
+          </p:cNvSpPr>
+          <p:nvPr>
+            <p:ph type="title"/>
+          </p:nvPr>
+        </p:nvSpPr>
+        <p:spPr>
+          <a:xfrm>
+            <a:off x="1141413" y="609600"/>
+            <a:ext cx="9905998" cy="990599"/>
+          </a:xfrm>
+        </p:spPr>
+        <p:txBody>
+          <a:bodyPr>
+            <a:normAutofit/>
+          </a:bodyPr>
+          <a:lstStyle/>
+          <a:p>
+            <a:r>
+              <a:rPr lang="hu-HU" dirty="0"/>
+              <a:t>Ellenőrzés EREDMÉNY</a:t>
+            </a:r>
+          </a:p>
+        </p:txBody>
+      </p:sp>
+      <p:pic>
+        <p:nvPicPr>
+          <p:cNvPr id="7" name="Tartalom helye 6">
+            <a:extLst>
+              <a:ext uri="{FF2B5EF4-FFF2-40B4-BE49-F238E27FC236}">
+                <a16:creationId xmlns:a16="http://schemas.microsoft.com/office/drawing/2014/main" id="{279F3AEC-D29B-4FEB-83C5-9DB62A424E24}"/>
+              </a:ext>
+            </a:extLst>
+          </p:cNvPr>
+          <p:cNvPicPr>
+            <a:picLocks noGrp="1" noChangeAspect="1"/>
+          </p:cNvPicPr>
+          <p:nvPr>
+            <p:ph idx="1"/>
+          </p:nvPr>
+        </p:nvPicPr>
+        <p:blipFill>
+          <a:blip r:embed="rId4"/>
+          <a:stretch>
+            <a:fillRect/>
+          </a:stretch>
+        </p:blipFill>
+        <p:spPr>
+          <a:xfrm>
+            <a:off x="1303386" y="1707502"/>
+            <a:ext cx="9852057" cy="1950097"/>
+          </a:xfrm>
+          <a:prstGeom prst="rect">
+            <a:avLst/>
+          </a:prstGeom>
+        </p:spPr>
+      </p:pic>
+      <p:sp>
+        <p:nvSpPr>
+          <p:cNvPr id="9" name="Szövegdoboz 8">
+            <a:extLst>
+              <a:ext uri="{FF2B5EF4-FFF2-40B4-BE49-F238E27FC236}">
+                <a16:creationId xmlns:a16="http://schemas.microsoft.com/office/drawing/2014/main" id="{E0E268EA-988F-4711-8BE7-0F793B60F531}"/>
+              </a:ext>
+            </a:extLst>
+          </p:cNvPr>
+          <p:cNvSpPr txBox="1"/>
+          <p:nvPr/>
+        </p:nvSpPr>
+        <p:spPr>
+          <a:xfrm>
+            <a:off x="1303385" y="3764902"/>
+            <a:ext cx="9905997" cy="923330"/>
+          </a:xfrm>
+          <a:prstGeom prst="rect">
+            <a:avLst/>
+          </a:prstGeom>
+          <a:noFill/>
+        </p:spPr>
+        <p:txBody>
+          <a:bodyPr wrap="square" rtlCol="0">
+            <a:spAutoFit/>
+          </a:bodyPr>
+          <a:lstStyle/>
+          <a:p>
+            <a:pPr algn="just"/>
+            <a:r>
+              <a:rPr lang="hu-HU" dirty="0"/>
+              <a:t>A két „piros” eredmény az megegyezik az elvárt eredménnyel mivel azt mutatja, hogy nincs olyan eset sem amikor </a:t>
+            </a:r>
+            <a:r>
+              <a:rPr lang="hu-HU" dirty="0" err="1"/>
+              <a:t>lockolás</a:t>
+            </a:r>
+            <a:r>
+              <a:rPr lang="hu-HU" dirty="0"/>
+              <a:t> nélkül kerülne a 0. számú autó PUSPRINT vagy CARDIN állapotba.</a:t>
+            </a:r>
+          </a:p>
+        </p:txBody>
+      </p:sp>
+    </p:spTree>
+    <p:extLst>
+      <p:ext uri="{BB962C8B-B14F-4D97-AF65-F5344CB8AC3E}">
+        <p14:creationId xmlns:p14="http://schemas.microsoft.com/office/powerpoint/2010/main" val="2392859117"/>
+      </p:ext>
+    </p:extLst>
+  </p:cSld>
+  <p:clrMapOvr>
+    <a:masterClrMapping/>
+  </p:clrMapOvr>
+</p:sld>
+</file>
+
+<file path=ppt/slides/slide12.xml><?xml version="1.0" encoding="utf-8"?>
+<p:sld xmlns:a="http://schemas.openxmlformats.org/drawingml/2006/main" xmlns:r="http://schemas.openxmlformats.org/officeDocument/2006/relationships" xmlns:p="http://schemas.openxmlformats.org/presentationml/2006/main">
+  <p:cSld>
+    <p:bg>
+      <p:bgPr>
+        <a:blipFill rotWithShape="1">
+          <a:blip r:embed="rId2">
+            <a:duotone>
+              <a:schemeClr val="bg2">
+                <a:shade val="28000"/>
+                <a:satMod val="94000"/>
+                <a:lumMod val="20000"/>
+              </a:schemeClr>
+              <a:schemeClr val="bg2">
+                <a:tint val="94000"/>
+                <a:shade val="84000"/>
+                <a:satMod val="148000"/>
+                <a:lumMod val="114000"/>
+              </a:schemeClr>
+            </a:duotone>
+            <a:extLst/>
+          </a:blip>
+          <a:stretch/>
+        </a:blipFill>
+        <a:effectLst/>
+      </p:bgPr>
+    </p:bg>
+    <p:spTree>
+      <p:nvGrpSpPr>
+        <p:cNvPr id="1" name=""/>
+        <p:cNvGrpSpPr/>
+        <p:nvPr/>
+      </p:nvGrpSpPr>
+      <p:grpSpPr>
+        <a:xfrm>
+          <a:off x="0" y="0"/>
+          <a:ext cx="0" cy="0"/>
+          <a:chOff x="0" y="0"/>
+          <a:chExt cx="0" cy="0"/>
+        </a:xfrm>
+      </p:grpSpPr>
+      <p:pic>
+        <p:nvPicPr>
+          <p:cNvPr id="4" name="Kép 3">
+            <a:extLst>
+              <a:ext uri="{FF2B5EF4-FFF2-40B4-BE49-F238E27FC236}">
+                <a16:creationId xmlns:a16="http://schemas.microsoft.com/office/drawing/2014/main" id="{85347BCE-AF7E-462E-872D-75B63FF91474}"/>
+              </a:ext>
+            </a:extLst>
+          </p:cNvPr>
+          <p:cNvPicPr>
+            <a:picLocks noChangeAspect="1"/>
+          </p:cNvPicPr>
+          <p:nvPr/>
+        </p:nvPicPr>
+        <p:blipFill rotWithShape="1">
+          <a:blip r:embed="rId3">
+            <a:duotone>
+              <a:prstClr val="black"/>
+              <a:schemeClr val="bg1">
+                <a:tint val="45000"/>
+                <a:satMod val="400000"/>
+              </a:schemeClr>
+            </a:duotone>
+            <a:alphaModFix amt="15000"/>
+            <a:extLst/>
+          </a:blip>
+          <a:srcRect r="888" b="-1"/>
+          <a:stretch/>
+        </p:blipFill>
+        <p:spPr>
+          <a:xfrm>
+            <a:off x="20" y="10"/>
+            <a:ext cx="12191980" cy="6857990"/>
+          </a:xfrm>
+          <a:prstGeom prst="rect">
+            <a:avLst/>
+          </a:prstGeom>
+        </p:spPr>
+      </p:pic>
+      <p:sp>
+        <p:nvSpPr>
+          <p:cNvPr id="2" name="Cím 1">
+            <a:extLst>
+              <a:ext uri="{FF2B5EF4-FFF2-40B4-BE49-F238E27FC236}">
+                <a16:creationId xmlns:a16="http://schemas.microsoft.com/office/drawing/2014/main" id="{4CF0FAA0-7D08-4295-8EF1-6F66B8621396}"/>
+              </a:ext>
+            </a:extLst>
+          </p:cNvPr>
+          <p:cNvSpPr>
+            <a:spLocks noGrp="1"/>
+          </p:cNvSpPr>
+          <p:nvPr>
+            <p:ph type="title"/>
+          </p:nvPr>
+        </p:nvSpPr>
+        <p:spPr>
+          <a:xfrm>
+            <a:off x="1141413" y="609600"/>
+            <a:ext cx="9905998" cy="1905000"/>
+          </a:xfrm>
+        </p:spPr>
+        <p:txBody>
+          <a:bodyPr>
+            <a:normAutofit/>
+          </a:bodyPr>
+          <a:lstStyle/>
+          <a:p>
+            <a:r>
+              <a:rPr lang="hu-HU" dirty="0"/>
+              <a:t>megjegyzések</a:t>
+            </a:r>
+          </a:p>
+        </p:txBody>
+      </p:sp>
+      <p:sp>
+        <p:nvSpPr>
+          <p:cNvPr id="3" name="Tartalom helye 2">
+            <a:extLst>
+              <a:ext uri="{FF2B5EF4-FFF2-40B4-BE49-F238E27FC236}">
+                <a16:creationId xmlns:a16="http://schemas.microsoft.com/office/drawing/2014/main" id="{B109FD6A-3BE6-4165-B599-704DD46244B3}"/>
+              </a:ext>
+            </a:extLst>
+          </p:cNvPr>
+          <p:cNvSpPr>
+            <a:spLocks noGrp="1"/>
+          </p:cNvSpPr>
+          <p:nvPr>
+            <p:ph idx="1"/>
+          </p:nvPr>
+        </p:nvSpPr>
+        <p:spPr>
+          <a:xfrm>
+            <a:off x="1141413" y="2666999"/>
+            <a:ext cx="9905998" cy="3124201"/>
+          </a:xfrm>
+        </p:spPr>
+        <p:txBody>
+          <a:bodyPr>
+            <a:normAutofit/>
+          </a:bodyPr>
+          <a:lstStyle/>
+          <a:p>
+            <a:pPr marL="0" indent="0" algn="just">
+              <a:buNone/>
+            </a:pPr>
+            <a:r>
+              <a:rPr lang="hu-HU" dirty="0"/>
+              <a:t>A rendszer szimulációját tetszőleges számú autóval lehet elvégeztetni, de értelemszerűen legalább három autóval történő szimuláció ad elfogadható eredményt, de például </a:t>
+            </a:r>
+            <a:r>
+              <a:rPr lang="hu-HU" dirty="0" err="1"/>
+              <a:t>deadlockot</a:t>
+            </a:r>
+            <a:r>
+              <a:rPr lang="hu-HU" dirty="0"/>
+              <a:t> csak akkor sikerült előidézni amikor öt </a:t>
+            </a:r>
+            <a:r>
+              <a:rPr lang="hu-HU"/>
+              <a:t>autóval futott a szimuláció. </a:t>
+            </a:r>
+            <a:r>
+              <a:rPr lang="hu-HU" dirty="0"/>
+              <a:t>Tehát érdemes minél több autóval lefuttatni a szimulációt. A szimulációhoz használt autók száma a </a:t>
+            </a:r>
+            <a:r>
+              <a:rPr lang="hu-HU" dirty="0" err="1"/>
+              <a:t>MAXCar</a:t>
+            </a:r>
+            <a:r>
+              <a:rPr lang="hu-HU" dirty="0"/>
+              <a:t> globális változóban állítható be.</a:t>
+            </a:r>
+          </a:p>
+        </p:txBody>
+      </p:sp>
+    </p:spTree>
+    <p:extLst>
+      <p:ext uri="{BB962C8B-B14F-4D97-AF65-F5344CB8AC3E}">
+        <p14:creationId xmlns:p14="http://schemas.microsoft.com/office/powerpoint/2010/main" val="3867799408"/>
       </p:ext>
     </p:extLst>
   </p:cSld>

--- a/parkinggateway.pptx
+++ b/parkinggateway.pptx
@@ -232,7 +232,7 @@
           <a:p>
             <a:fld id="{08582D0F-ADC7-4007-B98D-9059C3EFDAE0}" type="datetimeFigureOut">
               <a:rPr lang="hu-HU" smtClean="0"/>
-              <a:t>2018. 01. 03.</a:t>
+              <a:t>2018. 01. 05.</a:t>
             </a:fld>
             <a:endParaRPr lang="hu-HU"/>
           </a:p>
@@ -713,7 +713,7 @@
             <a:fld id="{B61BEF0D-F0BB-DE4B-95CE-6DB70DBA9567}" type="datetimeFigureOut">
               <a:rPr lang="en-US" dirty="0"/>
               <a:pPr/>
-              <a:t>1/3/2018</a:t>
+              <a:t>1/5/2018</a:t>
             </a:fld>
             <a:endParaRPr lang="en-US" dirty="0"/>
           </a:p>
@@ -1001,7 +1001,7 @@
             <a:fld id="{B61BEF0D-F0BB-DE4B-95CE-6DB70DBA9567}" type="datetimeFigureOut">
               <a:rPr lang="en-US" dirty="0"/>
               <a:pPr/>
-              <a:t>1/3/2018</a:t>
+              <a:t>1/5/2018</a:t>
             </a:fld>
             <a:endParaRPr lang="en-US" dirty="0"/>
           </a:p>
@@ -1257,7 +1257,7 @@
             <a:fld id="{B61BEF0D-F0BB-DE4B-95CE-6DB70DBA9567}" type="datetimeFigureOut">
               <a:rPr lang="en-US" dirty="0"/>
               <a:pPr/>
-              <a:t>1/3/2018</a:t>
+              <a:t>1/5/2018</a:t>
             </a:fld>
             <a:endParaRPr lang="en-US" dirty="0"/>
           </a:p>
@@ -1723,7 +1723,7 @@
             <a:fld id="{B61BEF0D-F0BB-DE4B-95CE-6DB70DBA9567}" type="datetimeFigureOut">
               <a:rPr lang="en-US" dirty="0"/>
               <a:pPr/>
-              <a:t>1/3/2018</a:t>
+              <a:t>1/5/2018</a:t>
             </a:fld>
             <a:endParaRPr lang="en-US" dirty="0"/>
           </a:p>
@@ -1900,7 +1900,7 @@
             <a:fld id="{B61BEF0D-F0BB-DE4B-95CE-6DB70DBA9567}" type="datetimeFigureOut">
               <a:rPr lang="en-US" dirty="0"/>
               <a:pPr/>
-              <a:t>1/3/2018</a:t>
+              <a:t>1/5/2018</a:t>
             </a:fld>
             <a:endParaRPr lang="en-US" dirty="0"/>
           </a:p>
@@ -2473,7 +2473,7 @@
             <a:fld id="{B61BEF0D-F0BB-DE4B-95CE-6DB70DBA9567}" type="datetimeFigureOut">
               <a:rPr lang="en-US" dirty="0"/>
               <a:pPr/>
-              <a:t>1/3/2018</a:t>
+              <a:t>1/5/2018</a:t>
             </a:fld>
             <a:endParaRPr lang="en-US" dirty="0"/>
           </a:p>
@@ -2802,7 +2802,7 @@
             <a:fld id="{B61BEF0D-F0BB-DE4B-95CE-6DB70DBA9567}" type="datetimeFigureOut">
               <a:rPr lang="en-US" dirty="0"/>
               <a:pPr/>
-              <a:t>1/3/2018</a:t>
+              <a:t>1/5/2018</a:t>
             </a:fld>
             <a:endParaRPr lang="en-US" dirty="0"/>
           </a:p>
@@ -2974,7 +2974,7 @@
             <a:fld id="{B61BEF0D-F0BB-DE4B-95CE-6DB70DBA9567}" type="datetimeFigureOut">
               <a:rPr lang="en-US" dirty="0"/>
               <a:pPr/>
-              <a:t>1/3/2018</a:t>
+              <a:t>1/5/2018</a:t>
             </a:fld>
             <a:endParaRPr lang="en-US" dirty="0"/>
           </a:p>
@@ -3151,7 +3151,7 @@
             <a:fld id="{B61BEF0D-F0BB-DE4B-95CE-6DB70DBA9567}" type="datetimeFigureOut">
               <a:rPr lang="en-US" dirty="0"/>
               <a:pPr/>
-              <a:t>1/3/2018</a:t>
+              <a:t>1/5/2018</a:t>
             </a:fld>
             <a:endParaRPr lang="en-US" dirty="0"/>
           </a:p>
@@ -3318,7 +3318,7 @@
             <a:fld id="{B61BEF0D-F0BB-DE4B-95CE-6DB70DBA9567}" type="datetimeFigureOut">
               <a:rPr lang="en-US" dirty="0"/>
               <a:pPr/>
-              <a:t>1/3/2018</a:t>
+              <a:t>1/5/2018</a:t>
             </a:fld>
             <a:endParaRPr lang="en-US" dirty="0"/>
           </a:p>
@@ -3572,7 +3572,7 @@
             <a:fld id="{B61BEF0D-F0BB-DE4B-95CE-6DB70DBA9567}" type="datetimeFigureOut">
               <a:rPr lang="en-US" dirty="0"/>
               <a:pPr/>
-              <a:t>1/3/2018</a:t>
+              <a:t>1/5/2018</a:t>
             </a:fld>
             <a:endParaRPr lang="en-US" dirty="0"/>
           </a:p>
@@ -3861,7 +3861,7 @@
             <a:fld id="{B61BEF0D-F0BB-DE4B-95CE-6DB70DBA9567}" type="datetimeFigureOut">
               <a:rPr lang="en-US" dirty="0"/>
               <a:pPr/>
-              <a:t>1/3/2018</a:t>
+              <a:t>1/5/2018</a:t>
             </a:fld>
             <a:endParaRPr lang="en-US" dirty="0"/>
           </a:p>
@@ -4288,7 +4288,7 @@
             <a:fld id="{B61BEF0D-F0BB-DE4B-95CE-6DB70DBA9567}" type="datetimeFigureOut">
               <a:rPr lang="en-US" dirty="0"/>
               <a:pPr/>
-              <a:t>1/3/2018</a:t>
+              <a:t>1/5/2018</a:t>
             </a:fld>
             <a:endParaRPr lang="en-US" dirty="0"/>
           </a:p>
@@ -4403,7 +4403,7 @@
             <a:fld id="{B61BEF0D-F0BB-DE4B-95CE-6DB70DBA9567}" type="datetimeFigureOut">
               <a:rPr lang="en-US" dirty="0"/>
               <a:pPr/>
-              <a:t>1/3/2018</a:t>
+              <a:t>1/5/2018</a:t>
             </a:fld>
             <a:endParaRPr lang="en-US" dirty="0"/>
           </a:p>
@@ -4495,7 +4495,7 @@
             <a:fld id="{B61BEF0D-F0BB-DE4B-95CE-6DB70DBA9567}" type="datetimeFigureOut">
               <a:rPr lang="en-US" dirty="0"/>
               <a:pPr/>
-              <a:t>1/3/2018</a:t>
+              <a:t>1/5/2018</a:t>
             </a:fld>
             <a:endParaRPr lang="en-US" dirty="0"/>
           </a:p>
@@ -4775,7 +4775,7 @@
             <a:fld id="{B61BEF0D-F0BB-DE4B-95CE-6DB70DBA9567}" type="datetimeFigureOut">
               <a:rPr lang="en-US" dirty="0"/>
               <a:pPr/>
-              <a:t>1/3/2018</a:t>
+              <a:t>1/5/2018</a:t>
             </a:fld>
             <a:endParaRPr lang="en-US" dirty="0"/>
           </a:p>
@@ -5063,7 +5063,7 @@
             <a:fld id="{B61BEF0D-F0BB-DE4B-95CE-6DB70DBA9567}" type="datetimeFigureOut">
               <a:rPr lang="en-US" dirty="0"/>
               <a:pPr/>
-              <a:t>1/3/2018</a:t>
+              <a:t>1/5/2018</a:t>
             </a:fld>
             <a:endParaRPr lang="en-US" dirty="0"/>
           </a:p>
@@ -5291,7 +5291,7 @@
             <a:fld id="{B61BEF0D-F0BB-DE4B-95CE-6DB70DBA9567}" type="datetimeFigureOut">
               <a:rPr lang="en-US" dirty="0"/>
               <a:pPr/>
-              <a:t>1/3/2018</a:t>
+              <a:t>1/5/2018</a:t>
             </a:fld>
             <a:endParaRPr lang="en-US" dirty="0"/>
           </a:p>
@@ -7331,63 +7331,6 @@
           </a:prstGeom>
         </p:spPr>
       </p:pic>
-      <p:pic>
-        <p:nvPicPr>
-          <p:cNvPr id="8" name="Tartalom helye 3" descr="A képen képernyőkép látható&#10;&#10;A leírás teljesen megbízható">
-            <a:extLst>
-              <a:ext uri="{FF2B5EF4-FFF2-40B4-BE49-F238E27FC236}">
-                <a16:creationId xmlns:a16="http://schemas.microsoft.com/office/drawing/2014/main" id="{4AFFBFAA-AF3D-4928-99ED-C6D57BD04C39}"/>
-              </a:ext>
-            </a:extLst>
-          </p:cNvPr>
-          <p:cNvPicPr>
-            <a:picLocks noGrp="1" noChangeAspect="1"/>
-          </p:cNvPicPr>
-          <p:nvPr>
-            <p:ph idx="1"/>
-          </p:nvPr>
-        </p:nvPicPr>
-        <p:blipFill>
-          <a:blip r:embed="rId3"/>
-          <a:stretch>
-            <a:fillRect/>
-          </a:stretch>
-        </p:blipFill>
-        <p:spPr>
-          <a:xfrm>
-            <a:off x="636915" y="984429"/>
-            <a:ext cx="6915663" cy="4892830"/>
-          </a:xfrm>
-          <a:prstGeom prst="roundRect">
-            <a:avLst>
-              <a:gd name="adj" fmla="val 3517"/>
-            </a:avLst>
-          </a:prstGeom>
-          <a:ln w="38100">
-            <a:gradFill flip="none" rotWithShape="1">
-              <a:gsLst>
-                <a:gs pos="0">
-                  <a:srgbClr val="363D46"/>
-                </a:gs>
-                <a:gs pos="100000">
-                  <a:srgbClr val="363D46">
-                    <a:lumMod val="75000"/>
-                  </a:srgbClr>
-                </a:gs>
-              </a:gsLst>
-              <a:lin ang="5400000" scaled="0"/>
-              <a:tileRect/>
-            </a:gradFill>
-          </a:ln>
-          <a:effectLst>
-            <a:innerShdw blurRad="57150" dist="38100" dir="14460000">
-              <a:srgbClr val="000000">
-                <a:alpha val="70000"/>
-              </a:srgbClr>
-            </a:innerShdw>
-          </a:effectLst>
-        </p:spPr>
-      </p:pic>
       <p:sp>
         <p:nvSpPr>
           <p:cNvPr id="9" name="Cím 1">
@@ -7439,6 +7382,36 @@
           </a:p>
         </p:txBody>
       </p:sp>
+      <p:pic>
+        <p:nvPicPr>
+          <p:cNvPr id="6" name="Kép 5">
+            <a:extLst>
+              <a:ext uri="{FF2B5EF4-FFF2-40B4-BE49-F238E27FC236}">
+                <a16:creationId xmlns:a16="http://schemas.microsoft.com/office/drawing/2014/main" id="{79998484-B900-4F3A-AFB1-B13A4011E391}"/>
+              </a:ext>
+            </a:extLst>
+          </p:cNvPr>
+          <p:cNvPicPr>
+            <a:picLocks noChangeAspect="1"/>
+          </p:cNvPicPr>
+          <p:nvPr/>
+        </p:nvPicPr>
+        <p:blipFill>
+          <a:blip r:embed="rId3"/>
+          <a:stretch>
+            <a:fillRect/>
+          </a:stretch>
+        </p:blipFill>
+        <p:spPr>
+          <a:xfrm>
+            <a:off x="334750" y="845018"/>
+            <a:ext cx="7829356" cy="4967954"/>
+          </a:xfrm>
+          <a:prstGeom prst="rect">
+            <a:avLst/>
+          </a:prstGeom>
+        </p:spPr>
+      </p:pic>
     </p:spTree>
     <p:extLst>
       <p:ext uri="{BB962C8B-B14F-4D97-AF65-F5344CB8AC3E}">
@@ -9497,10 +9470,10 @@
       </p:sp>
       <p:pic>
         <p:nvPicPr>
-          <p:cNvPr id="5" name="Kép 4">
+          <p:cNvPr id="3" name="Kép 2">
             <a:extLst>
               <a:ext uri="{FF2B5EF4-FFF2-40B4-BE49-F238E27FC236}">
-                <a16:creationId xmlns:a16="http://schemas.microsoft.com/office/drawing/2014/main" id="{198017B2-B29C-4345-8450-C1D7B2964073}"/>
+                <a16:creationId xmlns:a16="http://schemas.microsoft.com/office/drawing/2014/main" id="{DFCA4F83-5B6A-4344-A832-B6CBE41BBE5D}"/>
               </a:ext>
             </a:extLst>
           </p:cNvPr>
@@ -9517,14 +9490,14 @@
         </p:blipFill>
         <p:spPr>
           <a:xfrm>
-            <a:off x="1007046" y="1654017"/>
-            <a:ext cx="10174731" cy="3898729"/>
+            <a:off x="545684" y="1750303"/>
+            <a:ext cx="11121885" cy="4016015"/>
           </a:xfrm>
           <a:prstGeom prst="rect">
             <a:avLst/>
           </a:prstGeom>
           <a:effectLst>
-            <a:reflection blurRad="6350" stA="50000" endA="300" endPos="38500" dist="50800" dir="5400000" sy="-100000" algn="bl" rotWithShape="0"/>
+            <a:reflection blurRad="6350" stA="50000" endA="300" endPos="55500" dist="50800" dir="5400000" sy="-100000" algn="bl" rotWithShape="0"/>
           </a:effectLst>
         </p:spPr>
       </p:pic>
